--- a/trunk/documentation/draft/logging/logging-design-strategy.pptx
+++ b/trunk/documentation/draft/logging/logging-design-strategy.pptx
@@ -299,7 +299,7 @@
           <a:p>
             <a:fld id="{C01FE1C8-A6C7-435C-AD59-022F19D61B2E}" type="datetimeFigureOut">
               <a:rPr lang="ko-KR" altLang="en-US" smtClean="0"/>
-              <a:t>2012-07-12</a:t>
+              <a:t>2012-07-13</a:t>
             </a:fld>
             <a:endParaRPr lang="ko-KR" altLang="en-US"/>
           </a:p>
@@ -469,7 +469,7 @@
           <a:p>
             <a:fld id="{C01FE1C8-A6C7-435C-AD59-022F19D61B2E}" type="datetimeFigureOut">
               <a:rPr lang="ko-KR" altLang="en-US" smtClean="0"/>
-              <a:t>2012-07-12</a:t>
+              <a:t>2012-07-13</a:t>
             </a:fld>
             <a:endParaRPr lang="ko-KR" altLang="en-US"/>
           </a:p>
@@ -649,7 +649,7 @@
           <a:p>
             <a:fld id="{C01FE1C8-A6C7-435C-AD59-022F19D61B2E}" type="datetimeFigureOut">
               <a:rPr lang="ko-KR" altLang="en-US" smtClean="0"/>
-              <a:t>2012-07-12</a:t>
+              <a:t>2012-07-13</a:t>
             </a:fld>
             <a:endParaRPr lang="ko-KR" altLang="en-US"/>
           </a:p>
@@ -819,7 +819,7 @@
           <a:p>
             <a:fld id="{C01FE1C8-A6C7-435C-AD59-022F19D61B2E}" type="datetimeFigureOut">
               <a:rPr lang="ko-KR" altLang="en-US" smtClean="0"/>
-              <a:t>2012-07-12</a:t>
+              <a:t>2012-07-13</a:t>
             </a:fld>
             <a:endParaRPr lang="ko-KR" altLang="en-US"/>
           </a:p>
@@ -1065,7 +1065,7 @@
           <a:p>
             <a:fld id="{C01FE1C8-A6C7-435C-AD59-022F19D61B2E}" type="datetimeFigureOut">
               <a:rPr lang="ko-KR" altLang="en-US" smtClean="0"/>
-              <a:t>2012-07-12</a:t>
+              <a:t>2012-07-13</a:t>
             </a:fld>
             <a:endParaRPr lang="ko-KR" altLang="en-US"/>
           </a:p>
@@ -1353,7 +1353,7 @@
           <a:p>
             <a:fld id="{C01FE1C8-A6C7-435C-AD59-022F19D61B2E}" type="datetimeFigureOut">
               <a:rPr lang="ko-KR" altLang="en-US" smtClean="0"/>
-              <a:t>2012-07-12</a:t>
+              <a:t>2012-07-13</a:t>
             </a:fld>
             <a:endParaRPr lang="ko-KR" altLang="en-US"/>
           </a:p>
@@ -1775,7 +1775,7 @@
           <a:p>
             <a:fld id="{C01FE1C8-A6C7-435C-AD59-022F19D61B2E}" type="datetimeFigureOut">
               <a:rPr lang="ko-KR" altLang="en-US" smtClean="0"/>
-              <a:t>2012-07-12</a:t>
+              <a:t>2012-07-13</a:t>
             </a:fld>
             <a:endParaRPr lang="ko-KR" altLang="en-US"/>
           </a:p>
@@ -1893,7 +1893,7 @@
           <a:p>
             <a:fld id="{C01FE1C8-A6C7-435C-AD59-022F19D61B2E}" type="datetimeFigureOut">
               <a:rPr lang="ko-KR" altLang="en-US" smtClean="0"/>
-              <a:t>2012-07-12</a:t>
+              <a:t>2012-07-13</a:t>
             </a:fld>
             <a:endParaRPr lang="ko-KR" altLang="en-US"/>
           </a:p>
@@ -1988,7 +1988,7 @@
           <a:p>
             <a:fld id="{C01FE1C8-A6C7-435C-AD59-022F19D61B2E}" type="datetimeFigureOut">
               <a:rPr lang="ko-KR" altLang="en-US" smtClean="0"/>
-              <a:t>2012-07-12</a:t>
+              <a:t>2012-07-13</a:t>
             </a:fld>
             <a:endParaRPr lang="ko-KR" altLang="en-US"/>
           </a:p>
@@ -2265,7 +2265,7 @@
           <a:p>
             <a:fld id="{C01FE1C8-A6C7-435C-AD59-022F19D61B2E}" type="datetimeFigureOut">
               <a:rPr lang="ko-KR" altLang="en-US" smtClean="0"/>
-              <a:t>2012-07-12</a:t>
+              <a:t>2012-07-13</a:t>
             </a:fld>
             <a:endParaRPr lang="ko-KR" altLang="en-US"/>
           </a:p>
@@ -2518,7 +2518,7 @@
           <a:p>
             <a:fld id="{C01FE1C8-A6C7-435C-AD59-022F19D61B2E}" type="datetimeFigureOut">
               <a:rPr lang="ko-KR" altLang="en-US" smtClean="0"/>
-              <a:t>2012-07-12</a:t>
+              <a:t>2012-07-13</a:t>
             </a:fld>
             <a:endParaRPr lang="ko-KR" altLang="en-US"/>
           </a:p>
@@ -2731,7 +2731,7 @@
           <a:p>
             <a:fld id="{C01FE1C8-A6C7-435C-AD59-022F19D61B2E}" type="datetimeFigureOut">
               <a:rPr lang="ko-KR" altLang="en-US" smtClean="0"/>
-              <a:t>2012-07-12</a:t>
+              <a:t>2012-07-13</a:t>
             </a:fld>
             <a:endParaRPr lang="ko-KR" altLang="en-US"/>
           </a:p>
@@ -3090,7 +3090,7 @@
 </file>
 
 <file path=ppt/slides/slide1.xml><?xml version="1.0" encoding="utf-8"?>
-<p:sld xmlns:a="http://schemas.openxmlformats.org/drawingml/2006/main" xmlns:r="http://schemas.openxmlformats.org/officeDocument/2006/relationships" xmlns:p="http://schemas.openxmlformats.org/presentationml/2006/main">
+<p:sld xmlns:a="http://schemas.openxmlformats.org/drawingml/2006/main" xmlns:r="http://schemas.openxmlformats.org/officeDocument/2006/relationships" xmlns:p="http://schemas.openxmlformats.org/presentationml/2006/main" show="0">
   <p:cSld>
     <p:spTree>
       <p:nvGrpSpPr>
@@ -3162,6 +3162,14 @@
   <p:clrMapOvr>
     <a:masterClrMapping/>
   </p:clrMapOvr>
+  <mc:AlternateContent xmlns:mc="http://schemas.openxmlformats.org/markup-compatibility/2006">
+    <mc:Choice xmlns:p14="http://schemas.microsoft.com/office/powerpoint/2010/main" Requires="p14">
+      <p:transition spd="slow" p14:dur="2000"/>
+    </mc:Choice>
+    <mc:Fallback>
+      <p:transition spd="slow"/>
+    </mc:Fallback>
+  </mc:AlternateContent>
 </p:sld>
 </file>
 
@@ -6721,7 +6729,7 @@
 </file>
 
 <file path=ppt/slides/slide3.xml><?xml version="1.0" encoding="utf-8"?>
-<p:sld xmlns:a="http://schemas.openxmlformats.org/drawingml/2006/main" xmlns:r="http://schemas.openxmlformats.org/officeDocument/2006/relationships" xmlns:p="http://schemas.openxmlformats.org/presentationml/2006/main">
+<p:sld xmlns:a="http://schemas.openxmlformats.org/drawingml/2006/main" xmlns:r="http://schemas.openxmlformats.org/officeDocument/2006/relationships" xmlns:p="http://schemas.openxmlformats.org/presentationml/2006/main" show="0">
   <p:cSld>
     <p:spTree>
       <p:nvGrpSpPr>
@@ -6793,6 +6801,14 @@
   <p:clrMapOvr>
     <a:masterClrMapping/>
   </p:clrMapOvr>
+  <mc:AlternateContent xmlns:mc="http://schemas.openxmlformats.org/markup-compatibility/2006">
+    <mc:Choice xmlns:p14="http://schemas.microsoft.com/office/powerpoint/2010/main" Requires="p14">
+      <p:transition spd="slow" p14:dur="2000"/>
+    </mc:Choice>
+    <mc:Fallback>
+      <p:transition spd="slow"/>
+    </mc:Fallback>
+  </mc:AlternateContent>
 </p:sld>
 </file>
 
@@ -8261,7 +8277,7 @@
 </file>
 
 <file path=ppt/slides/slide6.xml><?xml version="1.0" encoding="utf-8"?>
-<p:sld xmlns:a="http://schemas.openxmlformats.org/drawingml/2006/main" xmlns:r="http://schemas.openxmlformats.org/officeDocument/2006/relationships" xmlns:p="http://schemas.openxmlformats.org/presentationml/2006/main">
+<p:sld xmlns:a="http://schemas.openxmlformats.org/drawingml/2006/main" xmlns:r="http://schemas.openxmlformats.org/officeDocument/2006/relationships" xmlns:p="http://schemas.openxmlformats.org/presentationml/2006/main" show="0">
   <p:cSld>
     <p:spTree>
       <p:nvGrpSpPr>
@@ -8333,6 +8349,14 @@
   <p:clrMapOvr>
     <a:masterClrMapping/>
   </p:clrMapOvr>
+  <mc:AlternateContent xmlns:mc="http://schemas.openxmlformats.org/markup-compatibility/2006">
+    <mc:Choice xmlns:p14="http://schemas.microsoft.com/office/powerpoint/2010/main" Requires="p14">
+      <p:transition spd="slow" p14:dur="2000"/>
+    </mc:Choice>
+    <mc:Fallback>
+      <p:transition spd="slow"/>
+    </mc:Fallback>
+  </mc:AlternateContent>
 </p:sld>
 </file>
 
@@ -10124,7 +10148,7 @@
 </file>
 
 <file path=ppt/slides/slide9.xml><?xml version="1.0" encoding="utf-8"?>
-<p:sld xmlns:a="http://schemas.openxmlformats.org/drawingml/2006/main" xmlns:r="http://schemas.openxmlformats.org/officeDocument/2006/relationships" xmlns:p="http://schemas.openxmlformats.org/presentationml/2006/main">
+<p:sld xmlns:a="http://schemas.openxmlformats.org/drawingml/2006/main" xmlns:r="http://schemas.openxmlformats.org/officeDocument/2006/relationships" xmlns:p="http://schemas.openxmlformats.org/presentationml/2006/main" show="0">
   <p:cSld>
     <p:spTree>
       <p:nvGrpSpPr>
@@ -10196,6 +10220,21 @@
   <p:clrMapOvr>
     <a:masterClrMapping/>
   </p:clrMapOvr>
+  <mc:AlternateContent xmlns:mc="http://schemas.openxmlformats.org/markup-compatibility/2006">
+    <mc:Choice xmlns:p14="http://schemas.microsoft.com/office/powerpoint/2010/main" Requires="p14">
+      <p:transition spd="slow" p14:dur="2000"/>
+    </mc:Choice>
+    <mc:Fallback>
+      <p:transition spd="slow"/>
+    </mc:Fallback>
+  </mc:AlternateContent>
+  <p:timing>
+    <p:tnLst>
+      <p:par>
+        <p:cTn id="1" dur="indefinite" restart="never" nodeType="tmRoot"/>
+      </p:par>
+    </p:tnLst>
+  </p:timing>
 </p:sld>
 </file>
 
